--- a/~2022-10-31 1인프로젝트/설계서/MVP화면설계서-최동영.pptx
+++ b/~2022-10-31 1인프로젝트/설계서/MVP화면설계서-최동영.pptx
@@ -7517,7 +7517,7 @@
           <a:p>
             <a:fld id="{4A6672D1-2E70-4FAA-9DE5-2CC2A2CC3FA6}" type="datetimeFigureOut">
               <a:rPr lang="ko-KR" altLang="en-US" smtClean="0"/>
-              <a:t>2022-10-06</a:t>
+              <a:t>2022-10-07</a:t>
             </a:fld>
             <a:endParaRPr lang="ko-KR" altLang="en-US"/>
           </a:p>
@@ -7715,7 +7715,7 @@
           <a:p>
             <a:fld id="{4A6672D1-2E70-4FAA-9DE5-2CC2A2CC3FA6}" type="datetimeFigureOut">
               <a:rPr lang="ko-KR" altLang="en-US" smtClean="0"/>
-              <a:t>2022-10-06</a:t>
+              <a:t>2022-10-07</a:t>
             </a:fld>
             <a:endParaRPr lang="ko-KR" altLang="en-US"/>
           </a:p>
@@ -7923,7 +7923,7 @@
           <a:p>
             <a:fld id="{4A6672D1-2E70-4FAA-9DE5-2CC2A2CC3FA6}" type="datetimeFigureOut">
               <a:rPr lang="ko-KR" altLang="en-US" smtClean="0"/>
-              <a:t>2022-10-06</a:t>
+              <a:t>2022-10-07</a:t>
             </a:fld>
             <a:endParaRPr lang="ko-KR" altLang="en-US"/>
           </a:p>
@@ -8121,7 +8121,7 @@
           <a:p>
             <a:fld id="{4A6672D1-2E70-4FAA-9DE5-2CC2A2CC3FA6}" type="datetimeFigureOut">
               <a:rPr lang="ko-KR" altLang="en-US" smtClean="0"/>
-              <a:t>2022-10-06</a:t>
+              <a:t>2022-10-07</a:t>
             </a:fld>
             <a:endParaRPr lang="ko-KR" altLang="en-US"/>
           </a:p>
@@ -8396,7 +8396,7 @@
           <a:p>
             <a:fld id="{4A6672D1-2E70-4FAA-9DE5-2CC2A2CC3FA6}" type="datetimeFigureOut">
               <a:rPr lang="ko-KR" altLang="en-US" smtClean="0"/>
-              <a:t>2022-10-06</a:t>
+              <a:t>2022-10-07</a:t>
             </a:fld>
             <a:endParaRPr lang="ko-KR" altLang="en-US"/>
           </a:p>
@@ -8661,7 +8661,7 @@
           <a:p>
             <a:fld id="{4A6672D1-2E70-4FAA-9DE5-2CC2A2CC3FA6}" type="datetimeFigureOut">
               <a:rPr lang="ko-KR" altLang="en-US" smtClean="0"/>
-              <a:t>2022-10-06</a:t>
+              <a:t>2022-10-07</a:t>
             </a:fld>
             <a:endParaRPr lang="ko-KR" altLang="en-US"/>
           </a:p>
@@ -9073,7 +9073,7 @@
           <a:p>
             <a:fld id="{4A6672D1-2E70-4FAA-9DE5-2CC2A2CC3FA6}" type="datetimeFigureOut">
               <a:rPr lang="ko-KR" altLang="en-US" smtClean="0"/>
-              <a:t>2022-10-06</a:t>
+              <a:t>2022-10-07</a:t>
             </a:fld>
             <a:endParaRPr lang="ko-KR" altLang="en-US"/>
           </a:p>
@@ -9214,7 +9214,7 @@
           <a:p>
             <a:fld id="{4A6672D1-2E70-4FAA-9DE5-2CC2A2CC3FA6}" type="datetimeFigureOut">
               <a:rPr lang="ko-KR" altLang="en-US" smtClean="0"/>
-              <a:t>2022-10-06</a:t>
+              <a:t>2022-10-07</a:t>
             </a:fld>
             <a:endParaRPr lang="ko-KR" altLang="en-US"/>
           </a:p>
@@ -9327,7 +9327,7 @@
           <a:p>
             <a:fld id="{4A6672D1-2E70-4FAA-9DE5-2CC2A2CC3FA6}" type="datetimeFigureOut">
               <a:rPr lang="ko-KR" altLang="en-US" smtClean="0"/>
-              <a:t>2022-10-06</a:t>
+              <a:t>2022-10-07</a:t>
             </a:fld>
             <a:endParaRPr lang="ko-KR" altLang="en-US"/>
           </a:p>
@@ -9638,7 +9638,7 @@
           <a:p>
             <a:fld id="{4A6672D1-2E70-4FAA-9DE5-2CC2A2CC3FA6}" type="datetimeFigureOut">
               <a:rPr lang="ko-KR" altLang="en-US" smtClean="0"/>
-              <a:t>2022-10-06</a:t>
+              <a:t>2022-10-07</a:t>
             </a:fld>
             <a:endParaRPr lang="ko-KR" altLang="en-US"/>
           </a:p>
@@ -9926,7 +9926,7 @@
           <a:p>
             <a:fld id="{4A6672D1-2E70-4FAA-9DE5-2CC2A2CC3FA6}" type="datetimeFigureOut">
               <a:rPr lang="ko-KR" altLang="en-US" smtClean="0"/>
-              <a:t>2022-10-06</a:t>
+              <a:t>2022-10-07</a:t>
             </a:fld>
             <a:endParaRPr lang="ko-KR" altLang="en-US"/>
           </a:p>
@@ -10167,7 +10167,7 @@
           <a:p>
             <a:fld id="{4A6672D1-2E70-4FAA-9DE5-2CC2A2CC3FA6}" type="datetimeFigureOut">
               <a:rPr lang="ko-KR" altLang="en-US" smtClean="0"/>
-              <a:t>2022-10-06</a:t>
+              <a:t>2022-10-07</a:t>
             </a:fld>
             <a:endParaRPr lang="ko-KR" altLang="en-US"/>
           </a:p>
@@ -15114,6 +15114,42 @@
           <a:chExt cx="0" cy="0"/>
         </a:xfrm>
       </p:grpSpPr>
+      <p:pic>
+        <p:nvPicPr>
+          <p:cNvPr id="9" name="그림 8" descr="텍스트, 스크린샷, 명함이(가) 표시된 사진&#10;&#10;자동 생성된 설명">
+            <a:extLst>
+              <a:ext uri="{FF2B5EF4-FFF2-40B4-BE49-F238E27FC236}">
+                <a16:creationId xmlns:a16="http://schemas.microsoft.com/office/drawing/2014/main" id="{540A32A9-B1BD-3720-9429-3CBA6831F1AB}"/>
+              </a:ext>
+            </a:extLst>
+          </p:cNvPr>
+          <p:cNvPicPr>
+            <a:picLocks noChangeAspect="1"/>
+          </p:cNvPicPr>
+          <p:nvPr/>
+        </p:nvPicPr>
+        <p:blipFill>
+          <a:blip r:embed="rId2">
+            <a:extLst>
+              <a:ext uri="{28A0092B-C50C-407E-A947-70E740481C1C}">
+                <a14:useLocalDpi xmlns:a14="http://schemas.microsoft.com/office/drawing/2010/main" val="0"/>
+              </a:ext>
+            </a:extLst>
+          </a:blip>
+          <a:stretch>
+            <a:fillRect/>
+          </a:stretch>
+        </p:blipFill>
+        <p:spPr>
+          <a:xfrm>
+            <a:off x="292021" y="874295"/>
+            <a:ext cx="7613735" cy="5414211"/>
+          </a:xfrm>
+          <a:prstGeom prst="rect">
+            <a:avLst/>
+          </a:prstGeom>
+        </p:spPr>
+      </p:pic>
       <p:graphicFrame>
         <p:nvGraphicFramePr>
           <p:cNvPr id="3" name="표 3">
@@ -15447,14 +15483,14 @@
           <p:nvPr>
             <p:extLst>
               <p:ext uri="{D42A27DB-BD31-4B8C-83A1-F6EECF244321}">
-                <p14:modId xmlns:p14="http://schemas.microsoft.com/office/powerpoint/2010/main" val="1593651610"/>
+                <p14:modId xmlns:p14="http://schemas.microsoft.com/office/powerpoint/2010/main" val="1515781740"/>
               </p:ext>
             </p:extLst>
           </p:nvPr>
         </p:nvGraphicFramePr>
         <p:xfrm>
           <a:off x="8297691" y="1428107"/>
-          <a:ext cx="3254376" cy="4318884"/>
+          <a:ext cx="3254376" cy="4571640"/>
         </p:xfrm>
         <a:graphic>
           <a:graphicData uri="http://schemas.openxmlformats.org/drawingml/2006/table">
@@ -15478,7 +15514,7 @@
                   </a:extLst>
                 </a:gridCol>
               </a:tblGrid>
-              <a:tr h="1166504">
+              <a:tr h="904626">
                 <a:tc gridSpan="2">
                   <a:txBody>
                     <a:bodyPr/>
@@ -15511,7 +15547,7 @@
                   </a:ext>
                 </a:extLst>
               </a:tr>
-              <a:tr h="1576190">
+              <a:tr h="1222338">
                 <a:tc>
                   <a:txBody>
                     <a:bodyPr/>
@@ -15534,40 +15570,39 @@
                     <a:p>
                       <a:pPr latinLnBrk="1"/>
                       <a:r>
-                        <a:rPr lang="ko-KR" altLang="en-US" sz="1600" dirty="0"/>
-                        <a:t>공지사항</a:t>
-                      </a:r>
-                      <a:r>
-                        <a:rPr lang="en-US" altLang="ko-KR" sz="1600" dirty="0"/>
-                        <a:t>, </a:t>
-                      </a:r>
-                      <a:r>
-                        <a:rPr lang="ko-KR" altLang="en-US" sz="1600" dirty="0" err="1"/>
-                        <a:t>급식게시글</a:t>
-                      </a:r>
-                      <a:r>
-                        <a:rPr lang="ko-KR" altLang="en-US" sz="1600" dirty="0"/>
-                        <a:t> </a:t>
-                      </a:r>
-                      <a:endParaRPr lang="en-US" altLang="ko-KR" sz="1600" dirty="0"/>
+                        <a:rPr lang="en-US" altLang="ko-KR" sz="1400" dirty="0"/>
+                        <a:t>Carousel</a:t>
+                      </a:r>
+                      <a:r>
+                        <a:rPr lang="ko-KR" altLang="en-US" sz="1400" dirty="0"/>
+                        <a:t>기능을 구현하며</a:t>
+                      </a:r>
+                      <a:r>
+                        <a:rPr lang="en-US" altLang="ko-KR" sz="1400" dirty="0"/>
+                        <a:t>,</a:t>
+                      </a:r>
                     </a:p>
                     <a:p>
                       <a:pPr latinLnBrk="1"/>
                       <a:r>
-                        <a:rPr lang="ko-KR" altLang="en-US" sz="1600" dirty="0"/>
-                        <a:t>둘 중 하나를 선택하면 그에 해당하는 내용이 </a:t>
-                      </a:r>
-                      <a:endParaRPr lang="en-US" altLang="ko-KR" sz="1600" dirty="0"/>
+                        <a:rPr lang="ko-KR" altLang="en-US" sz="1400" dirty="0"/>
+                        <a:t>콘텐츠 구성은 </a:t>
+                      </a:r>
+                      <a:endParaRPr lang="en-US" altLang="ko-KR" sz="1400" dirty="0"/>
                     </a:p>
                     <a:p>
                       <a:pPr latinLnBrk="1"/>
                       <a:r>
-                        <a:rPr lang="en-US" altLang="ko-KR" sz="1600" dirty="0"/>
-                        <a:t>2</a:t>
-                      </a:r>
-                      <a:r>
-                        <a:rPr lang="ko-KR" altLang="en-US" sz="1600" dirty="0"/>
-                        <a:t>에 출력</a:t>
+                        <a:rPr lang="ko-KR" altLang="en-US" sz="1400" dirty="0"/>
+                        <a:t>이미지 </a:t>
+                      </a:r>
+                      <a:r>
+                        <a:rPr lang="en-US" altLang="ko-KR" sz="1400" dirty="0"/>
+                        <a:t>5</a:t>
+                      </a:r>
+                      <a:r>
+                        <a:rPr lang="ko-KR" altLang="en-US" sz="1400" dirty="0"/>
+                        <a:t>개로 한다</a:t>
                       </a:r>
                     </a:p>
                   </a:txBody>
@@ -15575,11 +15610,11 @@
                 </a:tc>
                 <a:extLst>
                   <a:ext uri="{0D108BD9-81ED-4DB2-BD59-A6C34878D82A}">
-                    <a16:rowId xmlns:a16="http://schemas.microsoft.com/office/drawing/2014/main" val="3140447057"/>
+                    <a16:rowId xmlns:a16="http://schemas.microsoft.com/office/drawing/2014/main" val="3901965808"/>
                   </a:ext>
                 </a:extLst>
               </a:tr>
-              <a:tr h="1576190">
+              <a:tr h="1222338">
                 <a:tc>
                   <a:txBody>
                     <a:bodyPr/>
@@ -15602,46 +15637,122 @@
                     <a:p>
                       <a:pPr latinLnBrk="1"/>
                       <a:r>
-                        <a:rPr lang="en-US" altLang="ko-KR" sz="1600" dirty="0"/>
-                        <a:t>1</a:t>
-                      </a:r>
-                      <a:r>
-                        <a:rPr lang="ko-KR" altLang="en-US" sz="1600" dirty="0"/>
-                        <a:t>의 선택에 상응하는 </a:t>
-                      </a:r>
-                      <a:endParaRPr lang="en-US" altLang="ko-KR" sz="1600" dirty="0"/>
+                        <a:rPr lang="ko-KR" altLang="en-US" sz="1400" dirty="0"/>
+                        <a:t>공지사항</a:t>
+                      </a:r>
+                      <a:r>
+                        <a:rPr lang="en-US" altLang="ko-KR" sz="1400" dirty="0"/>
+                        <a:t>, </a:t>
+                      </a:r>
+                      <a:r>
+                        <a:rPr lang="ko-KR" altLang="en-US" sz="1400" dirty="0" err="1"/>
+                        <a:t>급식게시글</a:t>
+                      </a:r>
+                      <a:r>
+                        <a:rPr lang="ko-KR" altLang="en-US" sz="1400" dirty="0"/>
+                        <a:t> </a:t>
+                      </a:r>
+                      <a:endParaRPr lang="en-US" altLang="ko-KR" sz="1400" dirty="0"/>
                     </a:p>
                     <a:p>
                       <a:pPr latinLnBrk="1"/>
                       <a:r>
-                        <a:rPr lang="ko-KR" altLang="en-US" sz="1600" dirty="0"/>
-                        <a:t>내용을 </a:t>
-                      </a:r>
-                      <a:r>
-                        <a:rPr lang="en-US" altLang="ko-KR" sz="1600" dirty="0"/>
-                        <a:t>title</a:t>
-                      </a:r>
-                      <a:r>
-                        <a:rPr lang="ko-KR" altLang="en-US" sz="1600" dirty="0"/>
-                        <a:t>만 출력한다</a:t>
-                      </a:r>
-                      <a:endParaRPr lang="en-US" altLang="ko-KR" sz="1600" dirty="0"/>
+                        <a:rPr lang="ko-KR" altLang="en-US" sz="1400" dirty="0"/>
+                        <a:t>둘 중 하나를 선택하면 </a:t>
+                      </a:r>
+                      <a:endParaRPr lang="en-US" altLang="ko-KR" sz="1400" dirty="0"/>
                     </a:p>
                     <a:p>
                       <a:pPr latinLnBrk="1"/>
                       <a:r>
-                        <a:rPr lang="ko-KR" altLang="en-US" sz="1600" dirty="0"/>
-                        <a:t>옆에 띄운 이미지의 </a:t>
-                      </a:r>
-                      <a:endParaRPr lang="en-US" altLang="ko-KR" sz="1600" dirty="0"/>
+                        <a:rPr lang="ko-KR" altLang="en-US" sz="1400" dirty="0"/>
+                        <a:t>그에 해당하는 내용이 </a:t>
+                      </a:r>
+                      <a:endParaRPr lang="en-US" altLang="ko-KR" sz="1400" dirty="0"/>
                     </a:p>
                     <a:p>
                       <a:pPr latinLnBrk="1"/>
                       <a:r>
-                        <a:rPr lang="ko-KR" altLang="en-US" sz="1600" dirty="0"/>
+                        <a:rPr lang="en-US" altLang="ko-KR" sz="1400" dirty="0"/>
+                        <a:t>3</a:t>
+                      </a:r>
+                      <a:r>
+                        <a:rPr lang="ko-KR" altLang="en-US" sz="1400" dirty="0"/>
+                        <a:t>에 출력</a:t>
+                      </a:r>
+                    </a:p>
+                  </a:txBody>
+                  <a:tcPr anchor="ctr"/>
+                </a:tc>
+                <a:extLst>
+                  <a:ext uri="{0D108BD9-81ED-4DB2-BD59-A6C34878D82A}">
+                    <a16:rowId xmlns:a16="http://schemas.microsoft.com/office/drawing/2014/main" val="3140447057"/>
+                  </a:ext>
+                </a:extLst>
+              </a:tr>
+              <a:tr h="1222338">
+                <a:tc>
+                  <a:txBody>
+                    <a:bodyPr/>
+                    <a:lstStyle/>
+                    <a:p>
+                      <a:pPr latinLnBrk="1"/>
+                      <a:r>
+                        <a:rPr lang="en-US" altLang="ko-KR" dirty="0"/>
+                        <a:t>3</a:t>
+                      </a:r>
+                      <a:endParaRPr lang="ko-KR" altLang="en-US" dirty="0"/>
+                    </a:p>
+                  </a:txBody>
+                  <a:tcPr anchor="ctr" anchorCtr="1"/>
+                </a:tc>
+                <a:tc>
+                  <a:txBody>
+                    <a:bodyPr/>
+                    <a:lstStyle/>
+                    <a:p>
+                      <a:pPr latinLnBrk="1"/>
+                      <a:r>
+                        <a:rPr lang="en-US" altLang="ko-KR" sz="1400" dirty="0"/>
+                        <a:t>2</a:t>
+                      </a:r>
+                      <a:r>
+                        <a:rPr lang="ko-KR" altLang="en-US" sz="1400" dirty="0"/>
+                        <a:t>의 선택에 상응하는 </a:t>
+                      </a:r>
+                      <a:endParaRPr lang="en-US" altLang="ko-KR" sz="1400" dirty="0"/>
+                    </a:p>
+                    <a:p>
+                      <a:pPr latinLnBrk="1"/>
+                      <a:r>
+                        <a:rPr lang="ko-KR" altLang="en-US" sz="1400" dirty="0"/>
+                        <a:t>내용을 </a:t>
+                      </a:r>
+                      <a:r>
+                        <a:rPr lang="en-US" altLang="ko-KR" sz="1400" dirty="0"/>
+                        <a:t>title</a:t>
+                      </a:r>
+                      <a:r>
+                        <a:rPr lang="ko-KR" altLang="en-US" sz="1400" dirty="0"/>
+                        <a:t>만 출력한다</a:t>
+                      </a:r>
+                      <a:endParaRPr lang="en-US" altLang="ko-KR" sz="1400" dirty="0"/>
+                    </a:p>
+                    <a:p>
+                      <a:pPr latinLnBrk="1"/>
+                      <a:r>
+                        <a:rPr lang="ko-KR" altLang="en-US" sz="1400" dirty="0"/>
+                        <a:t>옆에 띄운 이미지의 </a:t>
+                      </a:r>
+                      <a:endParaRPr lang="en-US" altLang="ko-KR" sz="1400" dirty="0"/>
+                    </a:p>
+                    <a:p>
+                      <a:pPr latinLnBrk="1"/>
+                      <a:r>
+                        <a:rPr lang="ko-KR" altLang="en-US" sz="1400" dirty="0"/>
                         <a:t>양식을 참조한다</a:t>
                       </a:r>
-                      <a:endParaRPr lang="en-US" altLang="ko-KR" sz="1600" dirty="0"/>
+                      <a:endParaRPr lang="en-US" altLang="ko-KR" sz="1400" dirty="0"/>
                     </a:p>
                   </a:txBody>
                   <a:tcPr anchor="ctr"/>
@@ -15656,42 +15767,6 @@
           </a:graphicData>
         </a:graphic>
       </p:graphicFrame>
-      <p:pic>
-        <p:nvPicPr>
-          <p:cNvPr id="4" name="그림 3">
-            <a:extLst>
-              <a:ext uri="{FF2B5EF4-FFF2-40B4-BE49-F238E27FC236}">
-                <a16:creationId xmlns:a16="http://schemas.microsoft.com/office/drawing/2014/main" id="{D303EED3-0CBD-FB5C-E617-C5E38ADFFB36}"/>
-              </a:ext>
-            </a:extLst>
-          </p:cNvPr>
-          <p:cNvPicPr>
-            <a:picLocks noChangeAspect="1"/>
-          </p:cNvPicPr>
-          <p:nvPr/>
-        </p:nvPicPr>
-        <p:blipFill>
-          <a:blip r:embed="rId2">
-            <a:extLst>
-              <a:ext uri="{28A0092B-C50C-407E-A947-70E740481C1C}">
-                <a14:useLocalDpi xmlns:a14="http://schemas.microsoft.com/office/drawing/2010/main" val="0"/>
-              </a:ext>
-            </a:extLst>
-          </a:blip>
-          <a:stretch>
-            <a:fillRect/>
-          </a:stretch>
-        </p:blipFill>
-        <p:spPr>
-          <a:xfrm>
-            <a:off x="235615" y="1180662"/>
-            <a:ext cx="6998978" cy="4977050"/>
-          </a:xfrm>
-          <a:prstGeom prst="rect">
-            <a:avLst/>
-          </a:prstGeom>
-        </p:spPr>
-      </p:pic>
       <p:sp>
         <p:nvSpPr>
           <p:cNvPr id="5" name="순서도: 연결자 4">
@@ -15706,7 +15781,7 @@
         </p:nvSpPr>
         <p:spPr>
           <a:xfrm>
-            <a:off x="639933" y="1702319"/>
+            <a:off x="880565" y="1590023"/>
             <a:ext cx="494299" cy="480375"/>
           </a:xfrm>
           <a:prstGeom prst="flowChartConnector">
@@ -15756,7 +15831,7 @@
         </p:nvSpPr>
         <p:spPr>
           <a:xfrm>
-            <a:off x="2259182" y="3429000"/>
+            <a:off x="2098761" y="3701716"/>
             <a:ext cx="494299" cy="480375"/>
           </a:xfrm>
           <a:prstGeom prst="flowChartConnector">
@@ -15814,7 +15889,7 @@
         </p:blipFill>
         <p:spPr>
           <a:xfrm>
-            <a:off x="4363706" y="4291078"/>
+            <a:off x="4997370" y="4496682"/>
             <a:ext cx="2342633" cy="1281048"/>
           </a:xfrm>
           <a:prstGeom prst="rect">
@@ -15822,6 +15897,56 @@
           </a:prstGeom>
         </p:spPr>
       </p:pic>
+      <p:sp>
+        <p:nvSpPr>
+          <p:cNvPr id="10" name="순서도: 연결자 9">
+            <a:extLst>
+              <a:ext uri="{FF2B5EF4-FFF2-40B4-BE49-F238E27FC236}">
+                <a16:creationId xmlns:a16="http://schemas.microsoft.com/office/drawing/2014/main" id="{757348FF-3AF5-52B3-7BFA-8CA13F613489}"/>
+              </a:ext>
+            </a:extLst>
+          </p:cNvPr>
+          <p:cNvSpPr/>
+          <p:nvPr/>
+        </p:nvSpPr>
+        <p:spPr>
+          <a:xfrm>
+            <a:off x="2764508" y="4395530"/>
+            <a:ext cx="494299" cy="480375"/>
+          </a:xfrm>
+          <a:prstGeom prst="flowChartConnector">
+            <a:avLst/>
+          </a:prstGeom>
+        </p:spPr>
+        <p:style>
+          <a:lnRef idx="2">
+            <a:schemeClr val="accent5">
+              <a:shade val="50000"/>
+            </a:schemeClr>
+          </a:lnRef>
+          <a:fillRef idx="1">
+            <a:schemeClr val="accent5"/>
+          </a:fillRef>
+          <a:effectRef idx="0">
+            <a:schemeClr val="accent5"/>
+          </a:effectRef>
+          <a:fontRef idx="minor">
+            <a:schemeClr val="lt1"/>
+          </a:fontRef>
+        </p:style>
+        <p:txBody>
+          <a:bodyPr rtlCol="0" anchor="ctr"/>
+          <a:lstStyle/>
+          <a:p>
+            <a:pPr algn="ctr"/>
+            <a:r>
+              <a:rPr lang="en-US" altLang="ko-KR" dirty="0"/>
+              <a:t>3</a:t>
+            </a:r>
+            <a:endParaRPr lang="ko-KR" altLang="en-US" dirty="0"/>
+          </a:p>
+        </p:txBody>
+      </p:sp>
     </p:spTree>
     <p:extLst>
       <p:ext uri="{BB962C8B-B14F-4D97-AF65-F5344CB8AC3E}">

--- a/~2022-10-31 1인프로젝트/설계서/MVP화면설계서-최동영.pptx
+++ b/~2022-10-31 1인프로젝트/설계서/MVP화면설계서-최동영.pptx
@@ -1860,8 +1860,8 @@
         <a:p>
           <a:pPr latinLnBrk="1"/>
           <a:r>
-            <a:rPr lang="ko-KR" altLang="en-US" sz="1600" dirty="0" err="1"/>
-            <a:t>소개글</a:t>
+            <a:rPr lang="en-US" altLang="ko-KR" sz="1600" dirty="0"/>
+            <a:t>About</a:t>
           </a:r>
           <a:endParaRPr lang="ko-KR" altLang="en-US" sz="1600" dirty="0"/>
         </a:p>
@@ -1900,9 +1900,10 @@
         <a:p>
           <a:pPr latinLnBrk="1"/>
           <a:r>
-            <a:rPr lang="ko-KR" altLang="en-US" sz="1600" dirty="0"/>
-            <a:t>공지</a:t>
+            <a:rPr lang="en-US" altLang="ko-KR" sz="1600" dirty="0"/>
+            <a:t>Notice</a:t>
           </a:r>
+          <a:endParaRPr lang="ko-KR" altLang="en-US" sz="1600" dirty="0"/>
         </a:p>
       </dgm:t>
     </dgm:pt>
@@ -1939,9 +1940,10 @@
         <a:p>
           <a:pPr latinLnBrk="1"/>
           <a:r>
-            <a:rPr lang="ko-KR" altLang="en-US" sz="1600" dirty="0"/>
-            <a:t>급식 게시글</a:t>
+            <a:rPr lang="en-US" altLang="ko-KR" sz="1600" dirty="0" err="1"/>
+            <a:t>SchoolMeal</a:t>
           </a:r>
+          <a:endParaRPr lang="ko-KR" altLang="en-US" sz="1600" dirty="0"/>
         </a:p>
       </dgm:t>
     </dgm:pt>
@@ -2098,8 +2100,8 @@
         <a:p>
           <a:pPr latinLnBrk="1"/>
           <a:r>
-            <a:rPr lang="en-US" altLang="ko-KR" dirty="0"/>
-            <a:t>Board</a:t>
+            <a:rPr lang="en-US" altLang="ko-KR" dirty="0" err="1"/>
+            <a:t>BoardDetail</a:t>
           </a:r>
           <a:endParaRPr lang="ko-KR" altLang="en-US" dirty="0"/>
         </a:p>
@@ -2138,8 +2140,8 @@
         <a:p>
           <a:pPr latinLnBrk="1"/>
           <a:r>
-            <a:rPr lang="en-US" altLang="ko-KR" dirty="0"/>
-            <a:t>Board</a:t>
+            <a:rPr lang="en-US" altLang="ko-KR"/>
+            <a:t>BoardDetail</a:t>
           </a:r>
           <a:endParaRPr lang="ko-KR" altLang="en-US" dirty="0"/>
         </a:p>
@@ -3423,8 +3425,8 @@
             <a:buNone/>
           </a:pPr>
           <a:r>
-            <a:rPr lang="ko-KR" altLang="en-US" sz="1600" kern="1200" dirty="0" err="1"/>
-            <a:t>소개글</a:t>
+            <a:rPr lang="en-US" altLang="ko-KR" sz="1600" kern="1200" dirty="0"/>
+            <a:t>About</a:t>
           </a:r>
           <a:endParaRPr lang="ko-KR" altLang="en-US" sz="1600" kern="1200" dirty="0"/>
         </a:p>
@@ -3739,9 +3741,10 @@
             <a:buNone/>
           </a:pPr>
           <a:r>
-            <a:rPr lang="ko-KR" altLang="en-US" sz="1600" kern="1200" dirty="0"/>
-            <a:t>공지</a:t>
+            <a:rPr lang="en-US" altLang="ko-KR" sz="1600" kern="1200" dirty="0"/>
+            <a:t>Notice</a:t>
           </a:r>
+          <a:endParaRPr lang="ko-KR" altLang="en-US" sz="1600" kern="1200" dirty="0"/>
         </a:p>
       </dsp:txBody>
       <dsp:txXfrm>
@@ -3817,8 +3820,8 @@
             <a:buNone/>
           </a:pPr>
           <a:r>
-            <a:rPr lang="en-US" altLang="ko-KR" sz="1500" kern="1200" dirty="0"/>
-            <a:t>Board</a:t>
+            <a:rPr lang="en-US" altLang="ko-KR" sz="1500" kern="1200" dirty="0" err="1"/>
+            <a:t>BoardDetail</a:t>
           </a:r>
           <a:endParaRPr lang="ko-KR" altLang="en-US" sz="1500" kern="1200" dirty="0"/>
         </a:p>
@@ -3896,9 +3899,10 @@
             <a:buNone/>
           </a:pPr>
           <a:r>
-            <a:rPr lang="ko-KR" altLang="en-US" sz="1600" kern="1200" dirty="0"/>
-            <a:t>급식 게시글</a:t>
+            <a:rPr lang="en-US" altLang="ko-KR" sz="1600" kern="1200" dirty="0" err="1"/>
+            <a:t>SchoolMeal</a:t>
           </a:r>
+          <a:endParaRPr lang="ko-KR" altLang="en-US" sz="1600" kern="1200" dirty="0"/>
         </a:p>
       </dsp:txBody>
       <dsp:txXfrm>
@@ -3974,8 +3978,8 @@
             <a:buNone/>
           </a:pPr>
           <a:r>
-            <a:rPr lang="en-US" altLang="ko-KR" sz="1500" kern="1200" dirty="0"/>
-            <a:t>Board</a:t>
+            <a:rPr lang="en-US" altLang="ko-KR" sz="1500" kern="1200"/>
+            <a:t>BoardDetail</a:t>
           </a:r>
           <a:endParaRPr lang="ko-KR" altLang="en-US" sz="1500" kern="1200" dirty="0"/>
         </a:p>
@@ -7517,7 +7521,7 @@
           <a:p>
             <a:fld id="{4A6672D1-2E70-4FAA-9DE5-2CC2A2CC3FA6}" type="datetimeFigureOut">
               <a:rPr lang="ko-KR" altLang="en-US" smtClean="0"/>
-              <a:t>2022-10-07</a:t>
+              <a:t>2022-10-25</a:t>
             </a:fld>
             <a:endParaRPr lang="ko-KR" altLang="en-US"/>
           </a:p>
@@ -7715,7 +7719,7 @@
           <a:p>
             <a:fld id="{4A6672D1-2E70-4FAA-9DE5-2CC2A2CC3FA6}" type="datetimeFigureOut">
               <a:rPr lang="ko-KR" altLang="en-US" smtClean="0"/>
-              <a:t>2022-10-07</a:t>
+              <a:t>2022-10-25</a:t>
             </a:fld>
             <a:endParaRPr lang="ko-KR" altLang="en-US"/>
           </a:p>
@@ -7923,7 +7927,7 @@
           <a:p>
             <a:fld id="{4A6672D1-2E70-4FAA-9DE5-2CC2A2CC3FA6}" type="datetimeFigureOut">
               <a:rPr lang="ko-KR" altLang="en-US" smtClean="0"/>
-              <a:t>2022-10-07</a:t>
+              <a:t>2022-10-25</a:t>
             </a:fld>
             <a:endParaRPr lang="ko-KR" altLang="en-US"/>
           </a:p>
@@ -8121,7 +8125,7 @@
           <a:p>
             <a:fld id="{4A6672D1-2E70-4FAA-9DE5-2CC2A2CC3FA6}" type="datetimeFigureOut">
               <a:rPr lang="ko-KR" altLang="en-US" smtClean="0"/>
-              <a:t>2022-10-07</a:t>
+              <a:t>2022-10-25</a:t>
             </a:fld>
             <a:endParaRPr lang="ko-KR" altLang="en-US"/>
           </a:p>
@@ -8396,7 +8400,7 @@
           <a:p>
             <a:fld id="{4A6672D1-2E70-4FAA-9DE5-2CC2A2CC3FA6}" type="datetimeFigureOut">
               <a:rPr lang="ko-KR" altLang="en-US" smtClean="0"/>
-              <a:t>2022-10-07</a:t>
+              <a:t>2022-10-25</a:t>
             </a:fld>
             <a:endParaRPr lang="ko-KR" altLang="en-US"/>
           </a:p>
@@ -8661,7 +8665,7 @@
           <a:p>
             <a:fld id="{4A6672D1-2E70-4FAA-9DE5-2CC2A2CC3FA6}" type="datetimeFigureOut">
               <a:rPr lang="ko-KR" altLang="en-US" smtClean="0"/>
-              <a:t>2022-10-07</a:t>
+              <a:t>2022-10-25</a:t>
             </a:fld>
             <a:endParaRPr lang="ko-KR" altLang="en-US"/>
           </a:p>
@@ -9073,7 +9077,7 @@
           <a:p>
             <a:fld id="{4A6672D1-2E70-4FAA-9DE5-2CC2A2CC3FA6}" type="datetimeFigureOut">
               <a:rPr lang="ko-KR" altLang="en-US" smtClean="0"/>
-              <a:t>2022-10-07</a:t>
+              <a:t>2022-10-25</a:t>
             </a:fld>
             <a:endParaRPr lang="ko-KR" altLang="en-US"/>
           </a:p>
@@ -9214,7 +9218,7 @@
           <a:p>
             <a:fld id="{4A6672D1-2E70-4FAA-9DE5-2CC2A2CC3FA6}" type="datetimeFigureOut">
               <a:rPr lang="ko-KR" altLang="en-US" smtClean="0"/>
-              <a:t>2022-10-07</a:t>
+              <a:t>2022-10-25</a:t>
             </a:fld>
             <a:endParaRPr lang="ko-KR" altLang="en-US"/>
           </a:p>
@@ -9327,7 +9331,7 @@
           <a:p>
             <a:fld id="{4A6672D1-2E70-4FAA-9DE5-2CC2A2CC3FA6}" type="datetimeFigureOut">
               <a:rPr lang="ko-KR" altLang="en-US" smtClean="0"/>
-              <a:t>2022-10-07</a:t>
+              <a:t>2022-10-25</a:t>
             </a:fld>
             <a:endParaRPr lang="ko-KR" altLang="en-US"/>
           </a:p>
@@ -9638,7 +9642,7 @@
           <a:p>
             <a:fld id="{4A6672D1-2E70-4FAA-9DE5-2CC2A2CC3FA6}" type="datetimeFigureOut">
               <a:rPr lang="ko-KR" altLang="en-US" smtClean="0"/>
-              <a:t>2022-10-07</a:t>
+              <a:t>2022-10-25</a:t>
             </a:fld>
             <a:endParaRPr lang="ko-KR" altLang="en-US"/>
           </a:p>
@@ -9926,7 +9930,7 @@
           <a:p>
             <a:fld id="{4A6672D1-2E70-4FAA-9DE5-2CC2A2CC3FA6}" type="datetimeFigureOut">
               <a:rPr lang="ko-KR" altLang="en-US" smtClean="0"/>
-              <a:t>2022-10-07</a:t>
+              <a:t>2022-10-25</a:t>
             </a:fld>
             <a:endParaRPr lang="ko-KR" altLang="en-US"/>
           </a:p>
@@ -10167,7 +10171,7 @@
           <a:p>
             <a:fld id="{4A6672D1-2E70-4FAA-9DE5-2CC2A2CC3FA6}" type="datetimeFigureOut">
               <a:rPr lang="ko-KR" altLang="en-US" smtClean="0"/>
-              <a:t>2022-10-07</a:t>
+              <a:t>2022-10-25</a:t>
             </a:fld>
             <a:endParaRPr lang="ko-KR" altLang="en-US"/>
           </a:p>
@@ -13023,7 +13027,7 @@
           <p:nvPr>
             <p:extLst>
               <p:ext uri="{D42A27DB-BD31-4B8C-83A1-F6EECF244321}">
-                <p14:modId xmlns:p14="http://schemas.microsoft.com/office/powerpoint/2010/main" val="400827010"/>
+                <p14:modId xmlns:p14="http://schemas.microsoft.com/office/powerpoint/2010/main" val="750914675"/>
               </p:ext>
             </p:extLst>
           </p:nvPr>
